--- a/Presentations/Club Hack1ng/Introduction/Clase0-(02,02,2018).pptx
+++ b/Presentations/Club Hack1ng/Introduction/Clase0-(02,02,2018).pptx
@@ -221,7 +221,7 @@
           <a:p>
             <a:fld id="{4C99771D-871E-44E4-AA0A-AD673C5744C3}" type="datetimeFigureOut">
               <a:rPr lang="es-CO" smtClean="0"/>
-              <a:t>1/02/2018</a:t>
+              <a:t>4/02/2018</a:t>
             </a:fld>
             <a:endParaRPr lang="es-CO"/>
           </a:p>
@@ -620,7 +620,7 @@
           <a:p>
             <a:fld id="{15D56A38-8AF9-4474-AB99-F282E2900231}" type="datetime1">
               <a:rPr lang="es-CO" smtClean="0"/>
-              <a:t>1/02/2018</a:t>
+              <a:t>4/02/2018</a:t>
             </a:fld>
             <a:endParaRPr lang="es-CO"/>
           </a:p>
@@ -790,7 +790,7 @@
           <a:p>
             <a:fld id="{EB29F937-091A-44C0-85B6-4E4120F9E169}" type="datetime1">
               <a:rPr lang="es-CO" smtClean="0"/>
-              <a:t>1/02/2018</a:t>
+              <a:t>4/02/2018</a:t>
             </a:fld>
             <a:endParaRPr lang="es-CO"/>
           </a:p>
@@ -970,7 +970,7 @@
           <a:p>
             <a:fld id="{39974EDF-9F37-4538-845F-44C54E437C5C}" type="datetime1">
               <a:rPr lang="es-CO" smtClean="0"/>
-              <a:t>1/02/2018</a:t>
+              <a:t>4/02/2018</a:t>
             </a:fld>
             <a:endParaRPr lang="es-CO"/>
           </a:p>
@@ -1140,7 +1140,7 @@
           <a:p>
             <a:fld id="{31EAB086-0955-4506-98BF-51B70324519F}" type="datetime1">
               <a:rPr lang="es-CO" smtClean="0"/>
-              <a:t>1/02/2018</a:t>
+              <a:t>4/02/2018</a:t>
             </a:fld>
             <a:endParaRPr lang="es-CO"/>
           </a:p>
@@ -1386,7 +1386,7 @@
           <a:p>
             <a:fld id="{E342B7FF-807F-431D-85B2-806AE4A68A98}" type="datetime1">
               <a:rPr lang="es-CO" smtClean="0"/>
-              <a:t>1/02/2018</a:t>
+              <a:t>4/02/2018</a:t>
             </a:fld>
             <a:endParaRPr lang="es-CO"/>
           </a:p>
@@ -1618,7 +1618,7 @@
           <a:p>
             <a:fld id="{8F463E7B-8779-4847-BB6C-42B776E82F77}" type="datetime1">
               <a:rPr lang="es-CO" smtClean="0"/>
-              <a:t>1/02/2018</a:t>
+              <a:t>4/02/2018</a:t>
             </a:fld>
             <a:endParaRPr lang="es-CO"/>
           </a:p>
@@ -1985,7 +1985,7 @@
           <a:p>
             <a:fld id="{15165D0F-807A-4B9F-AB19-158207798EF6}" type="datetime1">
               <a:rPr lang="es-CO" smtClean="0"/>
-              <a:t>1/02/2018</a:t>
+              <a:t>4/02/2018</a:t>
             </a:fld>
             <a:endParaRPr lang="es-CO"/>
           </a:p>
@@ -2103,7 +2103,7 @@
           <a:p>
             <a:fld id="{1E608C50-0512-49AE-B3B1-4F0064066B72}" type="datetime1">
               <a:rPr lang="es-CO" smtClean="0"/>
-              <a:t>1/02/2018</a:t>
+              <a:t>4/02/2018</a:t>
             </a:fld>
             <a:endParaRPr lang="es-CO"/>
           </a:p>
@@ -2198,7 +2198,7 @@
           <a:p>
             <a:fld id="{B8CD2061-93FE-49A3-A075-44EDBA130B4A}" type="datetime1">
               <a:rPr lang="es-CO" smtClean="0"/>
-              <a:t>1/02/2018</a:t>
+              <a:t>4/02/2018</a:t>
             </a:fld>
             <a:endParaRPr lang="es-CO"/>
           </a:p>
@@ -2475,7 +2475,7 @@
           <a:p>
             <a:fld id="{D1E25AD9-A404-479F-986A-B89382580660}" type="datetime1">
               <a:rPr lang="es-CO" smtClean="0"/>
-              <a:t>1/02/2018</a:t>
+              <a:t>4/02/2018</a:t>
             </a:fld>
             <a:endParaRPr lang="es-CO"/>
           </a:p>
@@ -2728,7 +2728,7 @@
           <a:p>
             <a:fld id="{BFDEEA60-9CFB-4C6B-90E8-902328DB353A}" type="datetime1">
               <a:rPr lang="es-CO" smtClean="0"/>
-              <a:t>1/02/2018</a:t>
+              <a:t>4/02/2018</a:t>
             </a:fld>
             <a:endParaRPr lang="es-CO"/>
           </a:p>
@@ -2944,7 +2944,7 @@
           <a:p>
             <a:fld id="{1FE09B35-DBF2-4EF3-A73B-DF08F1989C59}" type="datetime1">
               <a:rPr lang="es-CO" smtClean="0"/>
-              <a:t>1/02/2018</a:t>
+              <a:t>4/02/2018</a:t>
             </a:fld>
             <a:endParaRPr lang="es-CO"/>
           </a:p>
@@ -5034,7 +5034,7 @@
                 </a:solidFill>
                 <a:latin typeface="Berlin Sans FB Demi" panose="020E0802020502020306" pitchFamily="34" charset="0"/>
               </a:rPr>
-              <a:t>Proyectos y nuevos temas</a:t>
+              <a:t>Horarios y temas</a:t>
             </a:r>
             <a:endParaRPr lang="es-CO" sz="3600" b="1" dirty="0">
               <a:solidFill>
@@ -5053,8 +5053,8 @@
         </p:nvSpPr>
         <p:spPr>
           <a:xfrm>
-            <a:off x="5177642" y="1611824"/>
-            <a:ext cx="6923313" cy="6740307"/>
+            <a:off x="5148943" y="1028105"/>
+            <a:ext cx="6923313" cy="6247864"/>
           </a:xfrm>
           <a:prstGeom prst="rect">
             <a:avLst/>
@@ -5075,17 +5075,8 @@
                 </a:solidFill>
                 <a:latin typeface="Berlin Sans FB Demi" panose="020E0802020502020306" pitchFamily="34" charset="0"/>
               </a:rPr>
-              <a:t>14 semanas</a:t>
-            </a:r>
-          </a:p>
-          <a:p>
-            <a:pPr algn="ctr"/>
-            <a:endParaRPr lang="es-CO" sz="3200" b="1" u="sng" dirty="0">
-              <a:solidFill>
-                <a:schemeClr val="bg1"/>
-              </a:solidFill>
-              <a:latin typeface="Berlin Sans FB Demi" panose="020E0802020502020306" pitchFamily="34" charset="0"/>
-            </a:endParaRPr>
+              <a:t>12 semanas - lunes</a:t>
+            </a:r>
           </a:p>
           <a:p>
             <a:pPr marL="457200" indent="-457200" algn="ctr">
@@ -5114,22 +5105,7 @@
                 </a:solidFill>
                 <a:latin typeface="Berlin Sans FB Demi" panose="020E0802020502020306" pitchFamily="34" charset="0"/>
               </a:rPr>
-              <a:t>Inteligencia artificial (2)</a:t>
-            </a:r>
-          </a:p>
-          <a:p>
-            <a:pPr marL="457200" indent="-457200" algn="ctr">
-              <a:buFontTx/>
-              <a:buChar char="-"/>
-            </a:pPr>
-            <a:r>
-              <a:rPr lang="es-CO" sz="3200" b="1" dirty="0">
-                <a:solidFill>
-                  <a:schemeClr val="bg1"/>
-                </a:solidFill>
-                <a:latin typeface="Berlin Sans FB Demi" panose="020E0802020502020306" pitchFamily="34" charset="0"/>
-              </a:rPr>
-              <a:t>Hacking de sistemas “inteligentes” (1)</a:t>
+              <a:t>Inteligencia artificial y ciberseguridad (2)</a:t>
             </a:r>
           </a:p>
           <a:p>
@@ -5168,7 +5144,7 @@
                 </a:solidFill>
                 <a:latin typeface="Berlin Sans FB Demi" panose="020E0802020502020306" pitchFamily="34" charset="0"/>
               </a:rPr>
-              <a:t> (2)</a:t>
+              <a:t> (1)</a:t>
             </a:r>
           </a:p>
           <a:p>
@@ -5187,16 +5163,31 @@
             </a:r>
           </a:p>
           <a:p>
+            <a:pPr algn="ctr"/>
+            <a:r>
+              <a:rPr lang="es-CO" sz="3200" b="1" u="sng" dirty="0">
+                <a:solidFill>
+                  <a:schemeClr val="bg1"/>
+                </a:solidFill>
+                <a:latin typeface="Berlin Sans FB Demi" panose="020E0802020502020306" pitchFamily="34" charset="0"/>
+              </a:rPr>
+              <a:t>12 semanas – martes</a:t>
+            </a:r>
+          </a:p>
+          <a:p>
             <a:pPr marL="457200" indent="-457200" algn="ctr">
               <a:buFontTx/>
               <a:buChar char="-"/>
             </a:pPr>
-            <a:endParaRPr lang="es-CO" sz="3200" b="1" dirty="0">
-              <a:solidFill>
-                <a:schemeClr val="bg1"/>
-              </a:solidFill>
-              <a:latin typeface="Berlin Sans FB Demi" panose="020E0802020502020306" pitchFamily="34" charset="0"/>
-            </a:endParaRPr>
+            <a:r>
+              <a:rPr lang="es-CO" sz="3200" b="1" dirty="0">
+                <a:solidFill>
+                  <a:schemeClr val="bg1"/>
+                </a:solidFill>
+                <a:latin typeface="Berlin Sans FB Demi" panose="020E0802020502020306" pitchFamily="34" charset="0"/>
+              </a:rPr>
+              <a:t>Hacking de humanos (12)</a:t>
+            </a:r>
           </a:p>
           <a:p>
             <a:pPr marL="457200" indent="-457200" algn="ctr">
@@ -5253,12 +5244,140 @@
           </a:p>
         </p:txBody>
       </p:sp>
+      <p:sp>
+        <p:nvSpPr>
+          <p:cNvPr id="2" name="Rectángulo 1">
+            <a:extLst>
+              <a:ext uri="{FF2B5EF4-FFF2-40B4-BE49-F238E27FC236}">
+                <a16:creationId xmlns:a16="http://schemas.microsoft.com/office/drawing/2014/main" id="{D81D2EFB-C75E-47BD-8B41-59EDED1CC46E}"/>
+              </a:ext>
+            </a:extLst>
+          </p:cNvPr>
+          <p:cNvSpPr/>
+          <p:nvPr/>
+        </p:nvSpPr>
+        <p:spPr>
+          <a:xfrm>
+            <a:off x="62751" y="4945079"/>
+            <a:ext cx="6096000" cy="1575816"/>
+          </a:xfrm>
+          <a:prstGeom prst="rect">
+            <a:avLst/>
+          </a:prstGeom>
+        </p:spPr>
+        <p:txBody>
+          <a:bodyPr>
+            <a:spAutoFit/>
+          </a:bodyPr>
+          <a:lstStyle/>
+          <a:p>
+            <a:pPr>
+              <a:lnSpc>
+                <a:spcPct val="90000"/>
+              </a:lnSpc>
+              <a:spcBef>
+                <a:spcPct val="0"/>
+              </a:spcBef>
+              <a:spcAft>
+                <a:spcPts val="600"/>
+              </a:spcAft>
+            </a:pPr>
+            <a:r>
+              <a:rPr lang="en-US" sz="3200" b="1" dirty="0" err="1">
+                <a:solidFill>
+                  <a:schemeClr val="bg1"/>
+                </a:solidFill>
+                <a:latin typeface="Berlin Sans FB Demi" panose="020E0802020502020306" pitchFamily="34" charset="0"/>
+              </a:rPr>
+              <a:t>Horarios</a:t>
+            </a:r>
+            <a:endParaRPr lang="en-US" sz="3200" b="1" dirty="0">
+              <a:solidFill>
+                <a:schemeClr val="bg1"/>
+              </a:solidFill>
+              <a:latin typeface="Berlin Sans FB Demi" panose="020E0802020502020306" pitchFamily="34" charset="0"/>
+            </a:endParaRPr>
+          </a:p>
+          <a:p>
+            <a:pPr marL="457200" indent="-457200">
+              <a:lnSpc>
+                <a:spcPct val="90000"/>
+              </a:lnSpc>
+              <a:spcBef>
+                <a:spcPct val="0"/>
+              </a:spcBef>
+              <a:spcAft>
+                <a:spcPts val="600"/>
+              </a:spcAft>
+              <a:buFont typeface="Arial" panose="020B0604020202020204" pitchFamily="34" charset="0"/>
+              <a:buChar char="•"/>
+            </a:pPr>
+            <a:r>
+              <a:rPr lang="en-US" sz="3200" b="1" dirty="0">
+                <a:solidFill>
+                  <a:schemeClr val="bg1"/>
+                </a:solidFill>
+                <a:latin typeface="Berlin Sans FB Demi" panose="020E0802020502020306" pitchFamily="34" charset="0"/>
+              </a:rPr>
+              <a:t>Lunes</a:t>
+            </a:r>
+            <a:r>
+              <a:rPr lang="en-US" sz="3200" b="1">
+                <a:solidFill>
+                  <a:schemeClr val="bg1"/>
+                </a:solidFill>
+                <a:latin typeface="Berlin Sans FB Demi" panose="020E0802020502020306" pitchFamily="34" charset="0"/>
+              </a:rPr>
+              <a:t>, 12:30-1:30pm</a:t>
+            </a:r>
+            <a:endParaRPr lang="en-US" sz="3200" b="1" dirty="0">
+              <a:solidFill>
+                <a:schemeClr val="bg1"/>
+              </a:solidFill>
+              <a:latin typeface="Berlin Sans FB Demi" panose="020E0802020502020306" pitchFamily="34" charset="0"/>
+            </a:endParaRPr>
+          </a:p>
+          <a:p>
+            <a:pPr marL="457200" indent="-457200">
+              <a:lnSpc>
+                <a:spcPct val="90000"/>
+              </a:lnSpc>
+              <a:spcBef>
+                <a:spcPct val="0"/>
+              </a:spcBef>
+              <a:spcAft>
+                <a:spcPts val="600"/>
+              </a:spcAft>
+              <a:buFont typeface="Arial" panose="020B0604020202020204" pitchFamily="34" charset="0"/>
+              <a:buChar char="•"/>
+            </a:pPr>
+            <a:r>
+              <a:rPr lang="en-US" sz="3200" b="1" dirty="0" err="1">
+                <a:solidFill>
+                  <a:schemeClr val="bg1"/>
+                </a:solidFill>
+                <a:latin typeface="Berlin Sans FB Demi" panose="020E0802020502020306" pitchFamily="34" charset="0"/>
+              </a:rPr>
+              <a:t>Martes</a:t>
+            </a:r>
+            <a:r>
+              <a:rPr lang="en-US" sz="3200" b="1" dirty="0">
+                <a:solidFill>
+                  <a:schemeClr val="bg1"/>
+                </a:solidFill>
+                <a:latin typeface="Berlin Sans FB Demi" panose="020E0802020502020306" pitchFamily="34" charset="0"/>
+              </a:rPr>
+              <a:t>, 1-2:30pm</a:t>
+            </a:r>
+          </a:p>
+        </p:txBody>
+      </p:sp>
       <p:pic>
         <p:nvPicPr>
-          <p:cNvPr id="3074" name="Picture 2" descr="La imagen puede contener: texto">
+          <p:cNvPr id="1034" name="Picture 10" descr="Imagen relacionada">
             <a:extLst>
               <a:ext uri="{FF2B5EF4-FFF2-40B4-BE49-F238E27FC236}">
-                <a16:creationId xmlns:a16="http://schemas.microsoft.com/office/drawing/2014/main" id="{EDE39811-AAB4-4745-9DD7-FEB0AECB66BB}"/>
+                <a16:creationId xmlns:a16="http://schemas.microsoft.com/office/drawing/2014/main" id="{63B15C05-C81F-4A01-9BEA-18AAA07631FC}"/>
               </a:ext>
             </a:extLst>
           </p:cNvPr>
@@ -5268,7 +5387,7 @@
           <p:nvPr/>
         </p:nvPicPr>
         <p:blipFill>
-          <a:blip r:embed="rId2" cstate="print">
+          <a:blip r:embed="rId2">
             <a:extLst>
               <a:ext uri="{28A0092B-C50C-407E-A947-70E740481C1C}">
                 <a14:useLocalDpi xmlns:a14="http://schemas.microsoft.com/office/drawing/2010/main" val="0"/>
@@ -5282,18 +5401,13 @@
         </p:blipFill>
         <p:spPr bwMode="auto">
           <a:xfrm>
-            <a:off x="62751" y="1958110"/>
-            <a:ext cx="5114891" cy="2877126"/>
+            <a:off x="835054" y="1232943"/>
+            <a:ext cx="5260946" cy="3507297"/>
           </a:xfrm>
           <a:prstGeom prst="rect">
             <a:avLst/>
           </a:prstGeom>
           <a:noFill/>
-          <a:effectLst>
-            <a:innerShdw blurRad="114300">
-              <a:prstClr val="black"/>
-            </a:innerShdw>
-          </a:effectLst>
           <a:extLst>
             <a:ext uri="{909E8E84-426E-40DD-AFC4-6F175D3DCCD1}">
               <a14:hiddenFill xmlns:a14="http://schemas.microsoft.com/office/drawing/2010/main">
